--- a/ppt 16-9/1222.又是一天新起.pptx
+++ b/ppt 16-9/1222.又是一天新起.pptx
@@ -5,7 +5,7 @@
     <p:sldMasterId id="2147483648" r:id="rId1"/>
   </p:sldMasterIdLst>
   <p:sldIdLst>
-    <p:sldId id="755" r:id="rId2"/>
+    <p:sldId id="757" r:id="rId2"/>
   </p:sldIdLst>
   <p:sldSz cx="12192000" cy="6858000"/>
   <p:notesSz cx="6858000" cy="9144000"/>
@@ -129,7 +129,7 @@
           <p:cNvPr id="2" name="标题 1">
             <a:extLst>
               <a:ext uri="{FF2B5EF4-FFF2-40B4-BE49-F238E27FC236}">
-                <a16:creationId xmlns:a16="http://schemas.microsoft.com/office/drawing/2014/main" id="{84F9480C-D6EA-3D0B-0849-4771CF52F8C1}"/>
+                <a16:creationId xmlns:a16="http://schemas.microsoft.com/office/drawing/2014/main" id="{CE022DA9-A562-DC09-1FB6-2EF2A7970209}"/>
               </a:ext>
             </a:extLst>
           </p:cNvPr>
@@ -166,7 +166,7 @@
           <p:cNvPr id="3" name="副标题 2">
             <a:extLst>
               <a:ext uri="{FF2B5EF4-FFF2-40B4-BE49-F238E27FC236}">
-                <a16:creationId xmlns:a16="http://schemas.microsoft.com/office/drawing/2014/main" id="{26269536-879D-AEF8-8EC9-774BF3D0C508}"/>
+                <a16:creationId xmlns:a16="http://schemas.microsoft.com/office/drawing/2014/main" id="{AFC81E08-5940-2459-2CB3-4C78E7E1A4FE}"/>
               </a:ext>
             </a:extLst>
           </p:cNvPr>
@@ -236,7 +236,7 @@
           <p:cNvPr id="4" name="日期占位符 3">
             <a:extLst>
               <a:ext uri="{FF2B5EF4-FFF2-40B4-BE49-F238E27FC236}">
-                <a16:creationId xmlns:a16="http://schemas.microsoft.com/office/drawing/2014/main" id="{40E2E92B-2BE6-64C5-AA96-F2A4E5C5E577}"/>
+                <a16:creationId xmlns:a16="http://schemas.microsoft.com/office/drawing/2014/main" id="{8EBBEFBA-EC62-B847-8AA2-38A9AF721589}"/>
               </a:ext>
             </a:extLst>
           </p:cNvPr>
@@ -252,7 +252,7 @@
           <a:bodyPr/>
           <a:lstStyle/>
           <a:p>
-            <a:fld id="{0CB9B9BE-03B6-42F2-86A8-1BAEEF91FA69}" type="datetimeFigureOut">
+            <a:fld id="{9AB0526B-B113-47CB-AA72-DF7B7D97C485}" type="datetimeFigureOut">
               <a:rPr lang="zh-CN" altLang="en-US" smtClean="0"/>
               <a:t>2024/3/10</a:t>
             </a:fld>
@@ -265,7 +265,7 @@
           <p:cNvPr id="5" name="页脚占位符 4">
             <a:extLst>
               <a:ext uri="{FF2B5EF4-FFF2-40B4-BE49-F238E27FC236}">
-                <a16:creationId xmlns:a16="http://schemas.microsoft.com/office/drawing/2014/main" id="{832DA84F-BC55-44FB-009A-BD5C90B68E43}"/>
+                <a16:creationId xmlns:a16="http://schemas.microsoft.com/office/drawing/2014/main" id="{76369776-4346-DC04-7FC9-26FEC84B71E5}"/>
               </a:ext>
             </a:extLst>
           </p:cNvPr>
@@ -290,7 +290,7 @@
           <p:cNvPr id="6" name="灯片编号占位符 5">
             <a:extLst>
               <a:ext uri="{FF2B5EF4-FFF2-40B4-BE49-F238E27FC236}">
-                <a16:creationId xmlns:a16="http://schemas.microsoft.com/office/drawing/2014/main" id="{2C860DA5-63D6-B97F-C0B4-35AF8D5F57C3}"/>
+                <a16:creationId xmlns:a16="http://schemas.microsoft.com/office/drawing/2014/main" id="{2FDC675C-1691-4302-13C1-98ED187E59D4}"/>
               </a:ext>
             </a:extLst>
           </p:cNvPr>
@@ -306,7 +306,7 @@
           <a:bodyPr/>
           <a:lstStyle/>
           <a:p>
-            <a:fld id="{BF544BF8-D55E-4150-9C3A-74A165C35411}" type="slidenum">
+            <a:fld id="{36D904C9-0F66-4257-8C96-19C109C5A11E}" type="slidenum">
               <a:rPr lang="zh-CN" altLang="en-US" smtClean="0"/>
               <a:t>‹#›</a:t>
             </a:fld>
@@ -317,7 +317,7 @@
     </p:spTree>
     <p:extLst>
       <p:ext uri="{BB962C8B-B14F-4D97-AF65-F5344CB8AC3E}">
-        <p14:creationId xmlns:p14="http://schemas.microsoft.com/office/powerpoint/2010/main" val="404075867"/>
+        <p14:creationId xmlns:p14="http://schemas.microsoft.com/office/powerpoint/2010/main" val="3850891369"/>
       </p:ext>
     </p:extLst>
   </p:cSld>
@@ -349,7 +349,7 @@
           <p:cNvPr id="2" name="标题 1">
             <a:extLst>
               <a:ext uri="{FF2B5EF4-FFF2-40B4-BE49-F238E27FC236}">
-                <a16:creationId xmlns:a16="http://schemas.microsoft.com/office/drawing/2014/main" id="{F13C0FE9-F614-859E-D9DF-5A5E40E35894}"/>
+                <a16:creationId xmlns:a16="http://schemas.microsoft.com/office/drawing/2014/main" id="{984A97D4-3C0C-11F1-9C6C-C250CAE223EF}"/>
               </a:ext>
             </a:extLst>
           </p:cNvPr>
@@ -377,7 +377,7 @@
           <p:cNvPr id="3" name="竖排文字占位符 2">
             <a:extLst>
               <a:ext uri="{FF2B5EF4-FFF2-40B4-BE49-F238E27FC236}">
-                <a16:creationId xmlns:a16="http://schemas.microsoft.com/office/drawing/2014/main" id="{769571BA-003B-2757-0816-D9D2EF6EBAC7}"/>
+                <a16:creationId xmlns:a16="http://schemas.microsoft.com/office/drawing/2014/main" id="{43C20BFE-28E3-8EF1-4AC0-9F8E32714DD8}"/>
               </a:ext>
             </a:extLst>
           </p:cNvPr>
@@ -434,7 +434,7 @@
           <p:cNvPr id="4" name="日期占位符 3">
             <a:extLst>
               <a:ext uri="{FF2B5EF4-FFF2-40B4-BE49-F238E27FC236}">
-                <a16:creationId xmlns:a16="http://schemas.microsoft.com/office/drawing/2014/main" id="{FDC99A35-3D02-C911-F8BF-9A989688CF22}"/>
+                <a16:creationId xmlns:a16="http://schemas.microsoft.com/office/drawing/2014/main" id="{AF32743E-13E5-ACA8-50B4-1E573A47869D}"/>
               </a:ext>
             </a:extLst>
           </p:cNvPr>
@@ -450,7 +450,7 @@
           <a:bodyPr/>
           <a:lstStyle/>
           <a:p>
-            <a:fld id="{0CB9B9BE-03B6-42F2-86A8-1BAEEF91FA69}" type="datetimeFigureOut">
+            <a:fld id="{9AB0526B-B113-47CB-AA72-DF7B7D97C485}" type="datetimeFigureOut">
               <a:rPr lang="zh-CN" altLang="en-US" smtClean="0"/>
               <a:t>2024/3/10</a:t>
             </a:fld>
@@ -463,7 +463,7 @@
           <p:cNvPr id="5" name="页脚占位符 4">
             <a:extLst>
               <a:ext uri="{FF2B5EF4-FFF2-40B4-BE49-F238E27FC236}">
-                <a16:creationId xmlns:a16="http://schemas.microsoft.com/office/drawing/2014/main" id="{CD073E52-014E-A7FF-2FB6-10F7640FC6FC}"/>
+                <a16:creationId xmlns:a16="http://schemas.microsoft.com/office/drawing/2014/main" id="{1B4A5179-DC33-2F68-0077-9270EB730577}"/>
               </a:ext>
             </a:extLst>
           </p:cNvPr>
@@ -488,7 +488,7 @@
           <p:cNvPr id="6" name="灯片编号占位符 5">
             <a:extLst>
               <a:ext uri="{FF2B5EF4-FFF2-40B4-BE49-F238E27FC236}">
-                <a16:creationId xmlns:a16="http://schemas.microsoft.com/office/drawing/2014/main" id="{2E227247-487F-DE25-843C-77167F4CA38D}"/>
+                <a16:creationId xmlns:a16="http://schemas.microsoft.com/office/drawing/2014/main" id="{5D5EF1F9-EB0A-5C13-0A08-301590F9AAF0}"/>
               </a:ext>
             </a:extLst>
           </p:cNvPr>
@@ -504,7 +504,7 @@
           <a:bodyPr/>
           <a:lstStyle/>
           <a:p>
-            <a:fld id="{BF544BF8-D55E-4150-9C3A-74A165C35411}" type="slidenum">
+            <a:fld id="{36D904C9-0F66-4257-8C96-19C109C5A11E}" type="slidenum">
               <a:rPr lang="zh-CN" altLang="en-US" smtClean="0"/>
               <a:t>‹#›</a:t>
             </a:fld>
@@ -515,7 +515,7 @@
     </p:spTree>
     <p:extLst>
       <p:ext uri="{BB962C8B-B14F-4D97-AF65-F5344CB8AC3E}">
-        <p14:creationId xmlns:p14="http://schemas.microsoft.com/office/powerpoint/2010/main" val="3223103587"/>
+        <p14:creationId xmlns:p14="http://schemas.microsoft.com/office/powerpoint/2010/main" val="3713433137"/>
       </p:ext>
     </p:extLst>
   </p:cSld>
@@ -547,7 +547,7 @@
           <p:cNvPr id="2" name="竖排标题 1">
             <a:extLst>
               <a:ext uri="{FF2B5EF4-FFF2-40B4-BE49-F238E27FC236}">
-                <a16:creationId xmlns:a16="http://schemas.microsoft.com/office/drawing/2014/main" id="{24C5DAF9-E6CF-9264-C34D-33990E307CF1}"/>
+                <a16:creationId xmlns:a16="http://schemas.microsoft.com/office/drawing/2014/main" id="{F9E204AB-C20A-7A3B-EBF8-08094B2A0902}"/>
               </a:ext>
             </a:extLst>
           </p:cNvPr>
@@ -580,7 +580,7 @@
           <p:cNvPr id="3" name="竖排文字占位符 2">
             <a:extLst>
               <a:ext uri="{FF2B5EF4-FFF2-40B4-BE49-F238E27FC236}">
-                <a16:creationId xmlns:a16="http://schemas.microsoft.com/office/drawing/2014/main" id="{1B0B0DCA-9F7A-45FE-38E8-D53D6866BACE}"/>
+                <a16:creationId xmlns:a16="http://schemas.microsoft.com/office/drawing/2014/main" id="{EF9AE3E3-66C2-AF9C-A465-29229447F2B5}"/>
               </a:ext>
             </a:extLst>
           </p:cNvPr>
@@ -642,7 +642,7 @@
           <p:cNvPr id="4" name="日期占位符 3">
             <a:extLst>
               <a:ext uri="{FF2B5EF4-FFF2-40B4-BE49-F238E27FC236}">
-                <a16:creationId xmlns:a16="http://schemas.microsoft.com/office/drawing/2014/main" id="{E9260432-981B-818B-4B5B-B202CBD4E705}"/>
+                <a16:creationId xmlns:a16="http://schemas.microsoft.com/office/drawing/2014/main" id="{2A352EF2-6F22-CCFC-CC63-77C6696EC795}"/>
               </a:ext>
             </a:extLst>
           </p:cNvPr>
@@ -658,7 +658,7 @@
           <a:bodyPr/>
           <a:lstStyle/>
           <a:p>
-            <a:fld id="{0CB9B9BE-03B6-42F2-86A8-1BAEEF91FA69}" type="datetimeFigureOut">
+            <a:fld id="{9AB0526B-B113-47CB-AA72-DF7B7D97C485}" type="datetimeFigureOut">
               <a:rPr lang="zh-CN" altLang="en-US" smtClean="0"/>
               <a:t>2024/3/10</a:t>
             </a:fld>
@@ -671,7 +671,7 @@
           <p:cNvPr id="5" name="页脚占位符 4">
             <a:extLst>
               <a:ext uri="{FF2B5EF4-FFF2-40B4-BE49-F238E27FC236}">
-                <a16:creationId xmlns:a16="http://schemas.microsoft.com/office/drawing/2014/main" id="{65AC98C5-CDB2-CF4A-0855-9AB09B68522E}"/>
+                <a16:creationId xmlns:a16="http://schemas.microsoft.com/office/drawing/2014/main" id="{22709654-8B56-50E2-0603-6DFFACF7A37A}"/>
               </a:ext>
             </a:extLst>
           </p:cNvPr>
@@ -696,7 +696,7 @@
           <p:cNvPr id="6" name="灯片编号占位符 5">
             <a:extLst>
               <a:ext uri="{FF2B5EF4-FFF2-40B4-BE49-F238E27FC236}">
-                <a16:creationId xmlns:a16="http://schemas.microsoft.com/office/drawing/2014/main" id="{1D28F055-83E4-D9A6-14CE-50C0AFE09C84}"/>
+                <a16:creationId xmlns:a16="http://schemas.microsoft.com/office/drawing/2014/main" id="{43561E00-9EC3-63D0-8EC5-230A1C16B782}"/>
               </a:ext>
             </a:extLst>
           </p:cNvPr>
@@ -712,7 +712,7 @@
           <a:bodyPr/>
           <a:lstStyle/>
           <a:p>
-            <a:fld id="{BF544BF8-D55E-4150-9C3A-74A165C35411}" type="slidenum">
+            <a:fld id="{36D904C9-0F66-4257-8C96-19C109C5A11E}" type="slidenum">
               <a:rPr lang="zh-CN" altLang="en-US" smtClean="0"/>
               <a:t>‹#›</a:t>
             </a:fld>
@@ -723,7 +723,7 @@
     </p:spTree>
     <p:extLst>
       <p:ext uri="{BB962C8B-B14F-4D97-AF65-F5344CB8AC3E}">
-        <p14:creationId xmlns:p14="http://schemas.microsoft.com/office/powerpoint/2010/main" val="894303546"/>
+        <p14:creationId xmlns:p14="http://schemas.microsoft.com/office/powerpoint/2010/main" val="510927589"/>
       </p:ext>
     </p:extLst>
   </p:cSld>
@@ -755,7 +755,7 @@
           <p:cNvPr id="2" name="标题 1">
             <a:extLst>
               <a:ext uri="{FF2B5EF4-FFF2-40B4-BE49-F238E27FC236}">
-                <a16:creationId xmlns:a16="http://schemas.microsoft.com/office/drawing/2014/main" id="{1B2B9EE5-66E7-2AFB-4A4C-118496273304}"/>
+                <a16:creationId xmlns:a16="http://schemas.microsoft.com/office/drawing/2014/main" id="{22FF72D2-2D95-E8D1-EEEF-D34795744B12}"/>
               </a:ext>
             </a:extLst>
           </p:cNvPr>
@@ -783,7 +783,7 @@
           <p:cNvPr id="3" name="内容占位符 2">
             <a:extLst>
               <a:ext uri="{FF2B5EF4-FFF2-40B4-BE49-F238E27FC236}">
-                <a16:creationId xmlns:a16="http://schemas.microsoft.com/office/drawing/2014/main" id="{BD6CDD84-2B17-580D-7E4A-8126EBED5332}"/>
+                <a16:creationId xmlns:a16="http://schemas.microsoft.com/office/drawing/2014/main" id="{A5EB8F11-A1C6-24D3-C39B-D5E47385CC15}"/>
               </a:ext>
             </a:extLst>
           </p:cNvPr>
@@ -840,7 +840,7 @@
           <p:cNvPr id="4" name="日期占位符 3">
             <a:extLst>
               <a:ext uri="{FF2B5EF4-FFF2-40B4-BE49-F238E27FC236}">
-                <a16:creationId xmlns:a16="http://schemas.microsoft.com/office/drawing/2014/main" id="{EC145E5C-B225-E34B-EB5E-14B4D064305B}"/>
+                <a16:creationId xmlns:a16="http://schemas.microsoft.com/office/drawing/2014/main" id="{EEA39545-E15A-819D-7B3B-01366B224A4E}"/>
               </a:ext>
             </a:extLst>
           </p:cNvPr>
@@ -856,7 +856,7 @@
           <a:bodyPr/>
           <a:lstStyle/>
           <a:p>
-            <a:fld id="{0CB9B9BE-03B6-42F2-86A8-1BAEEF91FA69}" type="datetimeFigureOut">
+            <a:fld id="{9AB0526B-B113-47CB-AA72-DF7B7D97C485}" type="datetimeFigureOut">
               <a:rPr lang="zh-CN" altLang="en-US" smtClean="0"/>
               <a:t>2024/3/10</a:t>
             </a:fld>
@@ -869,7 +869,7 @@
           <p:cNvPr id="5" name="页脚占位符 4">
             <a:extLst>
               <a:ext uri="{FF2B5EF4-FFF2-40B4-BE49-F238E27FC236}">
-                <a16:creationId xmlns:a16="http://schemas.microsoft.com/office/drawing/2014/main" id="{77F0300A-4962-DC2B-D486-F7A2761C662A}"/>
+                <a16:creationId xmlns:a16="http://schemas.microsoft.com/office/drawing/2014/main" id="{571A8A14-881B-A553-4538-1F724EFA139F}"/>
               </a:ext>
             </a:extLst>
           </p:cNvPr>
@@ -894,7 +894,7 @@
           <p:cNvPr id="6" name="灯片编号占位符 5">
             <a:extLst>
               <a:ext uri="{FF2B5EF4-FFF2-40B4-BE49-F238E27FC236}">
-                <a16:creationId xmlns:a16="http://schemas.microsoft.com/office/drawing/2014/main" id="{3E3DD4BC-F832-7647-7E5D-ECF40D7E1EF6}"/>
+                <a16:creationId xmlns:a16="http://schemas.microsoft.com/office/drawing/2014/main" id="{DF14B9F2-6289-932B-87F3-0F9189C4C901}"/>
               </a:ext>
             </a:extLst>
           </p:cNvPr>
@@ -910,7 +910,7 @@
           <a:bodyPr/>
           <a:lstStyle/>
           <a:p>
-            <a:fld id="{BF544BF8-D55E-4150-9C3A-74A165C35411}" type="slidenum">
+            <a:fld id="{36D904C9-0F66-4257-8C96-19C109C5A11E}" type="slidenum">
               <a:rPr lang="zh-CN" altLang="en-US" smtClean="0"/>
               <a:t>‹#›</a:t>
             </a:fld>
@@ -921,7 +921,7 @@
     </p:spTree>
     <p:extLst>
       <p:ext uri="{BB962C8B-B14F-4D97-AF65-F5344CB8AC3E}">
-        <p14:creationId xmlns:p14="http://schemas.microsoft.com/office/powerpoint/2010/main" val="3959696468"/>
+        <p14:creationId xmlns:p14="http://schemas.microsoft.com/office/powerpoint/2010/main" val="2358315919"/>
       </p:ext>
     </p:extLst>
   </p:cSld>
@@ -953,7 +953,7 @@
           <p:cNvPr id="2" name="标题 1">
             <a:extLst>
               <a:ext uri="{FF2B5EF4-FFF2-40B4-BE49-F238E27FC236}">
-                <a16:creationId xmlns:a16="http://schemas.microsoft.com/office/drawing/2014/main" id="{E4164D78-900B-9B50-019A-99365E7CD290}"/>
+                <a16:creationId xmlns:a16="http://schemas.microsoft.com/office/drawing/2014/main" id="{D163E71F-5D0B-A610-F894-2AEE286D1FD4}"/>
               </a:ext>
             </a:extLst>
           </p:cNvPr>
@@ -990,7 +990,7 @@
           <p:cNvPr id="3" name="文本占位符 2">
             <a:extLst>
               <a:ext uri="{FF2B5EF4-FFF2-40B4-BE49-F238E27FC236}">
-                <a16:creationId xmlns:a16="http://schemas.microsoft.com/office/drawing/2014/main" id="{95C9F392-B230-CAC4-FEB7-1E9E51FCC89D}"/>
+                <a16:creationId xmlns:a16="http://schemas.microsoft.com/office/drawing/2014/main" id="{D77C98AA-4213-D46D-B3C7-B67F3FF20685}"/>
               </a:ext>
             </a:extLst>
           </p:cNvPr>
@@ -1115,7 +1115,7 @@
           <p:cNvPr id="4" name="日期占位符 3">
             <a:extLst>
               <a:ext uri="{FF2B5EF4-FFF2-40B4-BE49-F238E27FC236}">
-                <a16:creationId xmlns:a16="http://schemas.microsoft.com/office/drawing/2014/main" id="{9FB22AED-4BD0-0DC8-33D8-15F0A7861738}"/>
+                <a16:creationId xmlns:a16="http://schemas.microsoft.com/office/drawing/2014/main" id="{C5B3344F-5254-A6B3-20D7-5EDF920E6625}"/>
               </a:ext>
             </a:extLst>
           </p:cNvPr>
@@ -1131,7 +1131,7 @@
           <a:bodyPr/>
           <a:lstStyle/>
           <a:p>
-            <a:fld id="{0CB9B9BE-03B6-42F2-86A8-1BAEEF91FA69}" type="datetimeFigureOut">
+            <a:fld id="{9AB0526B-B113-47CB-AA72-DF7B7D97C485}" type="datetimeFigureOut">
               <a:rPr lang="zh-CN" altLang="en-US" smtClean="0"/>
               <a:t>2024/3/10</a:t>
             </a:fld>
@@ -1144,7 +1144,7 @@
           <p:cNvPr id="5" name="页脚占位符 4">
             <a:extLst>
               <a:ext uri="{FF2B5EF4-FFF2-40B4-BE49-F238E27FC236}">
-                <a16:creationId xmlns:a16="http://schemas.microsoft.com/office/drawing/2014/main" id="{AB4DB946-8C3C-C074-7AB1-41235761D9E3}"/>
+                <a16:creationId xmlns:a16="http://schemas.microsoft.com/office/drawing/2014/main" id="{44A4B9F7-95AB-664C-CDB8-934247F16B57}"/>
               </a:ext>
             </a:extLst>
           </p:cNvPr>
@@ -1169,7 +1169,7 @@
           <p:cNvPr id="6" name="灯片编号占位符 5">
             <a:extLst>
               <a:ext uri="{FF2B5EF4-FFF2-40B4-BE49-F238E27FC236}">
-                <a16:creationId xmlns:a16="http://schemas.microsoft.com/office/drawing/2014/main" id="{C55E1A63-592E-A153-A73D-E3646804964B}"/>
+                <a16:creationId xmlns:a16="http://schemas.microsoft.com/office/drawing/2014/main" id="{25488F1A-A187-65CF-A44B-11A46BE71AD4}"/>
               </a:ext>
             </a:extLst>
           </p:cNvPr>
@@ -1185,7 +1185,7 @@
           <a:bodyPr/>
           <a:lstStyle/>
           <a:p>
-            <a:fld id="{BF544BF8-D55E-4150-9C3A-74A165C35411}" type="slidenum">
+            <a:fld id="{36D904C9-0F66-4257-8C96-19C109C5A11E}" type="slidenum">
               <a:rPr lang="zh-CN" altLang="en-US" smtClean="0"/>
               <a:t>‹#›</a:t>
             </a:fld>
@@ -1196,7 +1196,7 @@
     </p:spTree>
     <p:extLst>
       <p:ext uri="{BB962C8B-B14F-4D97-AF65-F5344CB8AC3E}">
-        <p14:creationId xmlns:p14="http://schemas.microsoft.com/office/powerpoint/2010/main" val="3084188624"/>
+        <p14:creationId xmlns:p14="http://schemas.microsoft.com/office/powerpoint/2010/main" val="3363710399"/>
       </p:ext>
     </p:extLst>
   </p:cSld>
@@ -1228,7 +1228,7 @@
           <p:cNvPr id="2" name="标题 1">
             <a:extLst>
               <a:ext uri="{FF2B5EF4-FFF2-40B4-BE49-F238E27FC236}">
-                <a16:creationId xmlns:a16="http://schemas.microsoft.com/office/drawing/2014/main" id="{E66E6A9A-3268-670E-6175-5F90C1451700}"/>
+                <a16:creationId xmlns:a16="http://schemas.microsoft.com/office/drawing/2014/main" id="{00A4589F-C75E-097C-9346-EE9A2200CF57}"/>
               </a:ext>
             </a:extLst>
           </p:cNvPr>
@@ -1256,7 +1256,7 @@
           <p:cNvPr id="3" name="内容占位符 2">
             <a:extLst>
               <a:ext uri="{FF2B5EF4-FFF2-40B4-BE49-F238E27FC236}">
-                <a16:creationId xmlns:a16="http://schemas.microsoft.com/office/drawing/2014/main" id="{EB8DE58F-F6EB-2B4A-C39C-0F87E9EE9E8C}"/>
+                <a16:creationId xmlns:a16="http://schemas.microsoft.com/office/drawing/2014/main" id="{76AF6739-7A50-7BAB-AE05-B1233BFB3872}"/>
               </a:ext>
             </a:extLst>
           </p:cNvPr>
@@ -1318,7 +1318,7 @@
           <p:cNvPr id="4" name="内容占位符 3">
             <a:extLst>
               <a:ext uri="{FF2B5EF4-FFF2-40B4-BE49-F238E27FC236}">
-                <a16:creationId xmlns:a16="http://schemas.microsoft.com/office/drawing/2014/main" id="{B388473B-CD98-085A-594C-F075953F4665}"/>
+                <a16:creationId xmlns:a16="http://schemas.microsoft.com/office/drawing/2014/main" id="{722629B4-4F07-4210-EB36-DEBA0E4C8D02}"/>
               </a:ext>
             </a:extLst>
           </p:cNvPr>
@@ -1380,7 +1380,7 @@
           <p:cNvPr id="5" name="日期占位符 4">
             <a:extLst>
               <a:ext uri="{FF2B5EF4-FFF2-40B4-BE49-F238E27FC236}">
-                <a16:creationId xmlns:a16="http://schemas.microsoft.com/office/drawing/2014/main" id="{0CA2C40A-9F72-8380-9508-6AFDB4B0074A}"/>
+                <a16:creationId xmlns:a16="http://schemas.microsoft.com/office/drawing/2014/main" id="{15E64491-95AB-461C-174A-5A5340A23E0A}"/>
               </a:ext>
             </a:extLst>
           </p:cNvPr>
@@ -1396,7 +1396,7 @@
           <a:bodyPr/>
           <a:lstStyle/>
           <a:p>
-            <a:fld id="{0CB9B9BE-03B6-42F2-86A8-1BAEEF91FA69}" type="datetimeFigureOut">
+            <a:fld id="{9AB0526B-B113-47CB-AA72-DF7B7D97C485}" type="datetimeFigureOut">
               <a:rPr lang="zh-CN" altLang="en-US" smtClean="0"/>
               <a:t>2024/3/10</a:t>
             </a:fld>
@@ -1409,7 +1409,7 @@
           <p:cNvPr id="6" name="页脚占位符 5">
             <a:extLst>
               <a:ext uri="{FF2B5EF4-FFF2-40B4-BE49-F238E27FC236}">
-                <a16:creationId xmlns:a16="http://schemas.microsoft.com/office/drawing/2014/main" id="{878CED76-4EBF-8013-DCE0-D55ACA5724BE}"/>
+                <a16:creationId xmlns:a16="http://schemas.microsoft.com/office/drawing/2014/main" id="{D3DB5AD9-B648-A18A-3585-2E05A674E712}"/>
               </a:ext>
             </a:extLst>
           </p:cNvPr>
@@ -1434,7 +1434,7 @@
           <p:cNvPr id="7" name="灯片编号占位符 6">
             <a:extLst>
               <a:ext uri="{FF2B5EF4-FFF2-40B4-BE49-F238E27FC236}">
-                <a16:creationId xmlns:a16="http://schemas.microsoft.com/office/drawing/2014/main" id="{38F4C151-EC4A-7700-447F-55DB673DD38F}"/>
+                <a16:creationId xmlns:a16="http://schemas.microsoft.com/office/drawing/2014/main" id="{B24C1462-6885-C841-5E22-BED36D5A8B25}"/>
               </a:ext>
             </a:extLst>
           </p:cNvPr>
@@ -1450,7 +1450,7 @@
           <a:bodyPr/>
           <a:lstStyle/>
           <a:p>
-            <a:fld id="{BF544BF8-D55E-4150-9C3A-74A165C35411}" type="slidenum">
+            <a:fld id="{36D904C9-0F66-4257-8C96-19C109C5A11E}" type="slidenum">
               <a:rPr lang="zh-CN" altLang="en-US" smtClean="0"/>
               <a:t>‹#›</a:t>
             </a:fld>
@@ -1461,7 +1461,7 @@
     </p:spTree>
     <p:extLst>
       <p:ext uri="{BB962C8B-B14F-4D97-AF65-F5344CB8AC3E}">
-        <p14:creationId xmlns:p14="http://schemas.microsoft.com/office/powerpoint/2010/main" val="1442977794"/>
+        <p14:creationId xmlns:p14="http://schemas.microsoft.com/office/powerpoint/2010/main" val="491305075"/>
       </p:ext>
     </p:extLst>
   </p:cSld>
@@ -1493,7 +1493,7 @@
           <p:cNvPr id="2" name="标题 1">
             <a:extLst>
               <a:ext uri="{FF2B5EF4-FFF2-40B4-BE49-F238E27FC236}">
-                <a16:creationId xmlns:a16="http://schemas.microsoft.com/office/drawing/2014/main" id="{AF309646-BBB5-AA7E-E6B2-FDFDA96BECFA}"/>
+                <a16:creationId xmlns:a16="http://schemas.microsoft.com/office/drawing/2014/main" id="{3C2B5CA3-0A95-1313-2C92-FA72D4C091E9}"/>
               </a:ext>
             </a:extLst>
           </p:cNvPr>
@@ -1526,7 +1526,7 @@
           <p:cNvPr id="3" name="文本占位符 2">
             <a:extLst>
               <a:ext uri="{FF2B5EF4-FFF2-40B4-BE49-F238E27FC236}">
-                <a16:creationId xmlns:a16="http://schemas.microsoft.com/office/drawing/2014/main" id="{B5103D9F-35A8-9775-FC86-7792855B187D}"/>
+                <a16:creationId xmlns:a16="http://schemas.microsoft.com/office/drawing/2014/main" id="{C5B07747-FA43-E02B-A5E5-65D4ADDA8A85}"/>
               </a:ext>
             </a:extLst>
           </p:cNvPr>
@@ -1597,7 +1597,7 @@
           <p:cNvPr id="4" name="内容占位符 3">
             <a:extLst>
               <a:ext uri="{FF2B5EF4-FFF2-40B4-BE49-F238E27FC236}">
-                <a16:creationId xmlns:a16="http://schemas.microsoft.com/office/drawing/2014/main" id="{276B1A91-D073-6962-7889-65A7552221A0}"/>
+                <a16:creationId xmlns:a16="http://schemas.microsoft.com/office/drawing/2014/main" id="{C196B0FC-44BC-246F-DCD5-F4A5976573E9}"/>
               </a:ext>
             </a:extLst>
           </p:cNvPr>
@@ -1659,7 +1659,7 @@
           <p:cNvPr id="5" name="文本占位符 4">
             <a:extLst>
               <a:ext uri="{FF2B5EF4-FFF2-40B4-BE49-F238E27FC236}">
-                <a16:creationId xmlns:a16="http://schemas.microsoft.com/office/drawing/2014/main" id="{3D3FBDF3-5206-7BF4-30E6-3B8C76063AB5}"/>
+                <a16:creationId xmlns:a16="http://schemas.microsoft.com/office/drawing/2014/main" id="{AFBBC76D-527F-615D-0809-A09768590DD1}"/>
               </a:ext>
             </a:extLst>
           </p:cNvPr>
@@ -1730,7 +1730,7 @@
           <p:cNvPr id="6" name="内容占位符 5">
             <a:extLst>
               <a:ext uri="{FF2B5EF4-FFF2-40B4-BE49-F238E27FC236}">
-                <a16:creationId xmlns:a16="http://schemas.microsoft.com/office/drawing/2014/main" id="{D538FC61-7349-B7F8-A59D-958A321CB141}"/>
+                <a16:creationId xmlns:a16="http://schemas.microsoft.com/office/drawing/2014/main" id="{63966CBF-6A46-7C3E-CD9C-C130219738ED}"/>
               </a:ext>
             </a:extLst>
           </p:cNvPr>
@@ -1792,7 +1792,7 @@
           <p:cNvPr id="7" name="日期占位符 6">
             <a:extLst>
               <a:ext uri="{FF2B5EF4-FFF2-40B4-BE49-F238E27FC236}">
-                <a16:creationId xmlns:a16="http://schemas.microsoft.com/office/drawing/2014/main" id="{4F90F6A6-2A31-021A-892C-C98A84D6C017}"/>
+                <a16:creationId xmlns:a16="http://schemas.microsoft.com/office/drawing/2014/main" id="{6B28BC8D-9CAA-8D97-7986-5FCE6868E48B}"/>
               </a:ext>
             </a:extLst>
           </p:cNvPr>
@@ -1808,7 +1808,7 @@
           <a:bodyPr/>
           <a:lstStyle/>
           <a:p>
-            <a:fld id="{0CB9B9BE-03B6-42F2-86A8-1BAEEF91FA69}" type="datetimeFigureOut">
+            <a:fld id="{9AB0526B-B113-47CB-AA72-DF7B7D97C485}" type="datetimeFigureOut">
               <a:rPr lang="zh-CN" altLang="en-US" smtClean="0"/>
               <a:t>2024/3/10</a:t>
             </a:fld>
@@ -1821,7 +1821,7 @@
           <p:cNvPr id="8" name="页脚占位符 7">
             <a:extLst>
               <a:ext uri="{FF2B5EF4-FFF2-40B4-BE49-F238E27FC236}">
-                <a16:creationId xmlns:a16="http://schemas.microsoft.com/office/drawing/2014/main" id="{860CCEA1-CAFC-900D-4F0F-E169B3759F4D}"/>
+                <a16:creationId xmlns:a16="http://schemas.microsoft.com/office/drawing/2014/main" id="{31857C0B-D0BB-D6CD-0AB8-BCC62B33295A}"/>
               </a:ext>
             </a:extLst>
           </p:cNvPr>
@@ -1846,7 +1846,7 @@
           <p:cNvPr id="9" name="灯片编号占位符 8">
             <a:extLst>
               <a:ext uri="{FF2B5EF4-FFF2-40B4-BE49-F238E27FC236}">
-                <a16:creationId xmlns:a16="http://schemas.microsoft.com/office/drawing/2014/main" id="{A5C473F8-A1B3-C15C-4AF8-E564716EA909}"/>
+                <a16:creationId xmlns:a16="http://schemas.microsoft.com/office/drawing/2014/main" id="{85684198-8ED1-0E5C-2F63-B447E6965DA9}"/>
               </a:ext>
             </a:extLst>
           </p:cNvPr>
@@ -1862,7 +1862,7 @@
           <a:bodyPr/>
           <a:lstStyle/>
           <a:p>
-            <a:fld id="{BF544BF8-D55E-4150-9C3A-74A165C35411}" type="slidenum">
+            <a:fld id="{36D904C9-0F66-4257-8C96-19C109C5A11E}" type="slidenum">
               <a:rPr lang="zh-CN" altLang="en-US" smtClean="0"/>
               <a:t>‹#›</a:t>
             </a:fld>
@@ -1873,7 +1873,7 @@
     </p:spTree>
     <p:extLst>
       <p:ext uri="{BB962C8B-B14F-4D97-AF65-F5344CB8AC3E}">
-        <p14:creationId xmlns:p14="http://schemas.microsoft.com/office/powerpoint/2010/main" val="2078753669"/>
+        <p14:creationId xmlns:p14="http://schemas.microsoft.com/office/powerpoint/2010/main" val="3995654157"/>
       </p:ext>
     </p:extLst>
   </p:cSld>
@@ -1905,7 +1905,7 @@
           <p:cNvPr id="2" name="标题 1">
             <a:extLst>
               <a:ext uri="{FF2B5EF4-FFF2-40B4-BE49-F238E27FC236}">
-                <a16:creationId xmlns:a16="http://schemas.microsoft.com/office/drawing/2014/main" id="{356262E2-0AD7-4D3F-2048-F93B53B87001}"/>
+                <a16:creationId xmlns:a16="http://schemas.microsoft.com/office/drawing/2014/main" id="{1936550C-63CE-C3DE-D3B1-A02C5971BC90}"/>
               </a:ext>
             </a:extLst>
           </p:cNvPr>
@@ -1933,7 +1933,7 @@
           <p:cNvPr id="3" name="日期占位符 2">
             <a:extLst>
               <a:ext uri="{FF2B5EF4-FFF2-40B4-BE49-F238E27FC236}">
-                <a16:creationId xmlns:a16="http://schemas.microsoft.com/office/drawing/2014/main" id="{E5FE287F-3AF4-EB89-61E4-3E2BF3902D39}"/>
+                <a16:creationId xmlns:a16="http://schemas.microsoft.com/office/drawing/2014/main" id="{4BBAE172-1EFF-DEC1-CBE3-749161852D89}"/>
               </a:ext>
             </a:extLst>
           </p:cNvPr>
@@ -1949,7 +1949,7 @@
           <a:bodyPr/>
           <a:lstStyle/>
           <a:p>
-            <a:fld id="{0CB9B9BE-03B6-42F2-86A8-1BAEEF91FA69}" type="datetimeFigureOut">
+            <a:fld id="{9AB0526B-B113-47CB-AA72-DF7B7D97C485}" type="datetimeFigureOut">
               <a:rPr lang="zh-CN" altLang="en-US" smtClean="0"/>
               <a:t>2024/3/10</a:t>
             </a:fld>
@@ -1962,7 +1962,7 @@
           <p:cNvPr id="4" name="页脚占位符 3">
             <a:extLst>
               <a:ext uri="{FF2B5EF4-FFF2-40B4-BE49-F238E27FC236}">
-                <a16:creationId xmlns:a16="http://schemas.microsoft.com/office/drawing/2014/main" id="{96A49843-C47F-60CD-AC92-BE7E54F1A3B6}"/>
+                <a16:creationId xmlns:a16="http://schemas.microsoft.com/office/drawing/2014/main" id="{2D0F1ACD-74AD-73EE-63D3-84BC6DE67359}"/>
               </a:ext>
             </a:extLst>
           </p:cNvPr>
@@ -1987,7 +1987,7 @@
           <p:cNvPr id="5" name="灯片编号占位符 4">
             <a:extLst>
               <a:ext uri="{FF2B5EF4-FFF2-40B4-BE49-F238E27FC236}">
-                <a16:creationId xmlns:a16="http://schemas.microsoft.com/office/drawing/2014/main" id="{B4FB137D-C39B-1829-8368-B2FCA7F384DD}"/>
+                <a16:creationId xmlns:a16="http://schemas.microsoft.com/office/drawing/2014/main" id="{DCDE63C9-9E09-7A9F-E679-2591B91D2878}"/>
               </a:ext>
             </a:extLst>
           </p:cNvPr>
@@ -2003,7 +2003,7 @@
           <a:bodyPr/>
           <a:lstStyle/>
           <a:p>
-            <a:fld id="{BF544BF8-D55E-4150-9C3A-74A165C35411}" type="slidenum">
+            <a:fld id="{36D904C9-0F66-4257-8C96-19C109C5A11E}" type="slidenum">
               <a:rPr lang="zh-CN" altLang="en-US" smtClean="0"/>
               <a:t>‹#›</a:t>
             </a:fld>
@@ -2014,7 +2014,7 @@
     </p:spTree>
     <p:extLst>
       <p:ext uri="{BB962C8B-B14F-4D97-AF65-F5344CB8AC3E}">
-        <p14:creationId xmlns:p14="http://schemas.microsoft.com/office/powerpoint/2010/main" val="1941774853"/>
+        <p14:creationId xmlns:p14="http://schemas.microsoft.com/office/powerpoint/2010/main" val="2484303131"/>
       </p:ext>
     </p:extLst>
   </p:cSld>
@@ -2046,7 +2046,7 @@
           <p:cNvPr id="2" name="日期占位符 1">
             <a:extLst>
               <a:ext uri="{FF2B5EF4-FFF2-40B4-BE49-F238E27FC236}">
-                <a16:creationId xmlns:a16="http://schemas.microsoft.com/office/drawing/2014/main" id="{3DE470DC-9156-4F1E-9ACE-E58862F2A102}"/>
+                <a16:creationId xmlns:a16="http://schemas.microsoft.com/office/drawing/2014/main" id="{226E43E8-568D-62AD-8980-75614E27C172}"/>
               </a:ext>
             </a:extLst>
           </p:cNvPr>
@@ -2062,7 +2062,7 @@
           <a:bodyPr/>
           <a:lstStyle/>
           <a:p>
-            <a:fld id="{0CB9B9BE-03B6-42F2-86A8-1BAEEF91FA69}" type="datetimeFigureOut">
+            <a:fld id="{9AB0526B-B113-47CB-AA72-DF7B7D97C485}" type="datetimeFigureOut">
               <a:rPr lang="zh-CN" altLang="en-US" smtClean="0"/>
               <a:t>2024/3/10</a:t>
             </a:fld>
@@ -2075,7 +2075,7 @@
           <p:cNvPr id="3" name="页脚占位符 2">
             <a:extLst>
               <a:ext uri="{FF2B5EF4-FFF2-40B4-BE49-F238E27FC236}">
-                <a16:creationId xmlns:a16="http://schemas.microsoft.com/office/drawing/2014/main" id="{3C0A14BF-E4F7-BB5A-7B32-F79BF6120A94}"/>
+                <a16:creationId xmlns:a16="http://schemas.microsoft.com/office/drawing/2014/main" id="{CE5D9659-2B0F-4597-1DBF-7481DB146382}"/>
               </a:ext>
             </a:extLst>
           </p:cNvPr>
@@ -2100,7 +2100,7 @@
           <p:cNvPr id="4" name="灯片编号占位符 3">
             <a:extLst>
               <a:ext uri="{FF2B5EF4-FFF2-40B4-BE49-F238E27FC236}">
-                <a16:creationId xmlns:a16="http://schemas.microsoft.com/office/drawing/2014/main" id="{FE8F743D-8FAD-BE37-BADD-4F5C8A57ECD0}"/>
+                <a16:creationId xmlns:a16="http://schemas.microsoft.com/office/drawing/2014/main" id="{136FE755-E905-CE3C-9F59-0ADFE64BBDB4}"/>
               </a:ext>
             </a:extLst>
           </p:cNvPr>
@@ -2116,7 +2116,7 @@
           <a:bodyPr/>
           <a:lstStyle/>
           <a:p>
-            <a:fld id="{BF544BF8-D55E-4150-9C3A-74A165C35411}" type="slidenum">
+            <a:fld id="{36D904C9-0F66-4257-8C96-19C109C5A11E}" type="slidenum">
               <a:rPr lang="zh-CN" altLang="en-US" smtClean="0"/>
               <a:t>‹#›</a:t>
             </a:fld>
@@ -2127,7 +2127,7 @@
     </p:spTree>
     <p:extLst>
       <p:ext uri="{BB962C8B-B14F-4D97-AF65-F5344CB8AC3E}">
-        <p14:creationId xmlns:p14="http://schemas.microsoft.com/office/powerpoint/2010/main" val="801939454"/>
+        <p14:creationId xmlns:p14="http://schemas.microsoft.com/office/powerpoint/2010/main" val="2745141729"/>
       </p:ext>
     </p:extLst>
   </p:cSld>
@@ -2159,7 +2159,7 @@
           <p:cNvPr id="2" name="标题 1">
             <a:extLst>
               <a:ext uri="{FF2B5EF4-FFF2-40B4-BE49-F238E27FC236}">
-                <a16:creationId xmlns:a16="http://schemas.microsoft.com/office/drawing/2014/main" id="{67768EA5-F59D-B031-FACC-3082EC0B4162}"/>
+                <a16:creationId xmlns:a16="http://schemas.microsoft.com/office/drawing/2014/main" id="{F7BDE209-D3D7-E14C-758D-5313D41355ED}"/>
               </a:ext>
             </a:extLst>
           </p:cNvPr>
@@ -2196,7 +2196,7 @@
           <p:cNvPr id="3" name="内容占位符 2">
             <a:extLst>
               <a:ext uri="{FF2B5EF4-FFF2-40B4-BE49-F238E27FC236}">
-                <a16:creationId xmlns:a16="http://schemas.microsoft.com/office/drawing/2014/main" id="{E0298CD6-15B0-42FF-5AD6-5CE6857F8334}"/>
+                <a16:creationId xmlns:a16="http://schemas.microsoft.com/office/drawing/2014/main" id="{DC6EF6CA-30DC-4C10-D053-8C670FF96F2C}"/>
               </a:ext>
             </a:extLst>
           </p:cNvPr>
@@ -2286,7 +2286,7 @@
           <p:cNvPr id="4" name="文本占位符 3">
             <a:extLst>
               <a:ext uri="{FF2B5EF4-FFF2-40B4-BE49-F238E27FC236}">
-                <a16:creationId xmlns:a16="http://schemas.microsoft.com/office/drawing/2014/main" id="{0A2F7A7F-C21B-5BE9-29DE-04D26A73476D}"/>
+                <a16:creationId xmlns:a16="http://schemas.microsoft.com/office/drawing/2014/main" id="{DF2ADA62-2043-12DD-2DEB-812BA906F733}"/>
               </a:ext>
             </a:extLst>
           </p:cNvPr>
@@ -2357,7 +2357,7 @@
           <p:cNvPr id="5" name="日期占位符 4">
             <a:extLst>
               <a:ext uri="{FF2B5EF4-FFF2-40B4-BE49-F238E27FC236}">
-                <a16:creationId xmlns:a16="http://schemas.microsoft.com/office/drawing/2014/main" id="{643BB683-3C03-7CF7-79E3-E201757B4C2A}"/>
+                <a16:creationId xmlns:a16="http://schemas.microsoft.com/office/drawing/2014/main" id="{42A293F7-C564-9694-3507-D1A44FEE6DEC}"/>
               </a:ext>
             </a:extLst>
           </p:cNvPr>
@@ -2373,7 +2373,7 @@
           <a:bodyPr/>
           <a:lstStyle/>
           <a:p>
-            <a:fld id="{0CB9B9BE-03B6-42F2-86A8-1BAEEF91FA69}" type="datetimeFigureOut">
+            <a:fld id="{9AB0526B-B113-47CB-AA72-DF7B7D97C485}" type="datetimeFigureOut">
               <a:rPr lang="zh-CN" altLang="en-US" smtClean="0"/>
               <a:t>2024/3/10</a:t>
             </a:fld>
@@ -2386,7 +2386,7 @@
           <p:cNvPr id="6" name="页脚占位符 5">
             <a:extLst>
               <a:ext uri="{FF2B5EF4-FFF2-40B4-BE49-F238E27FC236}">
-                <a16:creationId xmlns:a16="http://schemas.microsoft.com/office/drawing/2014/main" id="{0F53AACF-0BBA-CB71-2DF8-9FFD0ED06776}"/>
+                <a16:creationId xmlns:a16="http://schemas.microsoft.com/office/drawing/2014/main" id="{D019A69D-8162-1255-416A-63759BC9F13B}"/>
               </a:ext>
             </a:extLst>
           </p:cNvPr>
@@ -2411,7 +2411,7 @@
           <p:cNvPr id="7" name="灯片编号占位符 6">
             <a:extLst>
               <a:ext uri="{FF2B5EF4-FFF2-40B4-BE49-F238E27FC236}">
-                <a16:creationId xmlns:a16="http://schemas.microsoft.com/office/drawing/2014/main" id="{86234E80-FA66-145C-1312-07A877255DC2}"/>
+                <a16:creationId xmlns:a16="http://schemas.microsoft.com/office/drawing/2014/main" id="{01658972-2B20-5390-A665-E11DFCBC42EA}"/>
               </a:ext>
             </a:extLst>
           </p:cNvPr>
@@ -2427,7 +2427,7 @@
           <a:bodyPr/>
           <a:lstStyle/>
           <a:p>
-            <a:fld id="{BF544BF8-D55E-4150-9C3A-74A165C35411}" type="slidenum">
+            <a:fld id="{36D904C9-0F66-4257-8C96-19C109C5A11E}" type="slidenum">
               <a:rPr lang="zh-CN" altLang="en-US" smtClean="0"/>
               <a:t>‹#›</a:t>
             </a:fld>
@@ -2438,7 +2438,7 @@
     </p:spTree>
     <p:extLst>
       <p:ext uri="{BB962C8B-B14F-4D97-AF65-F5344CB8AC3E}">
-        <p14:creationId xmlns:p14="http://schemas.microsoft.com/office/powerpoint/2010/main" val="4189124338"/>
+        <p14:creationId xmlns:p14="http://schemas.microsoft.com/office/powerpoint/2010/main" val="1359657266"/>
       </p:ext>
     </p:extLst>
   </p:cSld>
@@ -2470,7 +2470,7 @@
           <p:cNvPr id="2" name="标题 1">
             <a:extLst>
               <a:ext uri="{FF2B5EF4-FFF2-40B4-BE49-F238E27FC236}">
-                <a16:creationId xmlns:a16="http://schemas.microsoft.com/office/drawing/2014/main" id="{CDDD74AA-745F-B11C-EFD3-3398238A10CE}"/>
+                <a16:creationId xmlns:a16="http://schemas.microsoft.com/office/drawing/2014/main" id="{A06AC2E4-4766-2A32-C680-73550D35DCCC}"/>
               </a:ext>
             </a:extLst>
           </p:cNvPr>
@@ -2507,7 +2507,7 @@
           <p:cNvPr id="3" name="图片占位符 2">
             <a:extLst>
               <a:ext uri="{FF2B5EF4-FFF2-40B4-BE49-F238E27FC236}">
-                <a16:creationId xmlns:a16="http://schemas.microsoft.com/office/drawing/2014/main" id="{10BF7411-6D26-4A0B-05BA-3C2256608E71}"/>
+                <a16:creationId xmlns:a16="http://schemas.microsoft.com/office/drawing/2014/main" id="{59413E10-049A-0937-C218-34401ACCEDCC}"/>
               </a:ext>
             </a:extLst>
           </p:cNvPr>
@@ -2574,7 +2574,7 @@
           <p:cNvPr id="4" name="文本占位符 3">
             <a:extLst>
               <a:ext uri="{FF2B5EF4-FFF2-40B4-BE49-F238E27FC236}">
-                <a16:creationId xmlns:a16="http://schemas.microsoft.com/office/drawing/2014/main" id="{75953AC1-9F73-703B-CD7C-2C9C3C8A3E69}"/>
+                <a16:creationId xmlns:a16="http://schemas.microsoft.com/office/drawing/2014/main" id="{74E98160-C915-A12C-8E1F-E043BCA72F0F}"/>
               </a:ext>
             </a:extLst>
           </p:cNvPr>
@@ -2645,7 +2645,7 @@
           <p:cNvPr id="5" name="日期占位符 4">
             <a:extLst>
               <a:ext uri="{FF2B5EF4-FFF2-40B4-BE49-F238E27FC236}">
-                <a16:creationId xmlns:a16="http://schemas.microsoft.com/office/drawing/2014/main" id="{A8507E02-6E3C-B537-DFFE-C13442ADAB27}"/>
+                <a16:creationId xmlns:a16="http://schemas.microsoft.com/office/drawing/2014/main" id="{16161257-FD35-836F-B0EC-0B5B34EEA51B}"/>
               </a:ext>
             </a:extLst>
           </p:cNvPr>
@@ -2661,7 +2661,7 @@
           <a:bodyPr/>
           <a:lstStyle/>
           <a:p>
-            <a:fld id="{0CB9B9BE-03B6-42F2-86A8-1BAEEF91FA69}" type="datetimeFigureOut">
+            <a:fld id="{9AB0526B-B113-47CB-AA72-DF7B7D97C485}" type="datetimeFigureOut">
               <a:rPr lang="zh-CN" altLang="en-US" smtClean="0"/>
               <a:t>2024/3/10</a:t>
             </a:fld>
@@ -2674,7 +2674,7 @@
           <p:cNvPr id="6" name="页脚占位符 5">
             <a:extLst>
               <a:ext uri="{FF2B5EF4-FFF2-40B4-BE49-F238E27FC236}">
-                <a16:creationId xmlns:a16="http://schemas.microsoft.com/office/drawing/2014/main" id="{3E6E2A85-7566-C8FD-6DF3-E711D5751DC0}"/>
+                <a16:creationId xmlns:a16="http://schemas.microsoft.com/office/drawing/2014/main" id="{C5EEC675-C5A9-7AA3-E039-27F4C7A326F6}"/>
               </a:ext>
             </a:extLst>
           </p:cNvPr>
@@ -2699,7 +2699,7 @@
           <p:cNvPr id="7" name="灯片编号占位符 6">
             <a:extLst>
               <a:ext uri="{FF2B5EF4-FFF2-40B4-BE49-F238E27FC236}">
-                <a16:creationId xmlns:a16="http://schemas.microsoft.com/office/drawing/2014/main" id="{0E1A447F-A73B-AA31-6187-9C71A16F86F9}"/>
+                <a16:creationId xmlns:a16="http://schemas.microsoft.com/office/drawing/2014/main" id="{FD2B6A86-A054-A965-ECB2-7D1185D1EC8E}"/>
               </a:ext>
             </a:extLst>
           </p:cNvPr>
@@ -2715,7 +2715,7 @@
           <a:bodyPr/>
           <a:lstStyle/>
           <a:p>
-            <a:fld id="{BF544BF8-D55E-4150-9C3A-74A165C35411}" type="slidenum">
+            <a:fld id="{36D904C9-0F66-4257-8C96-19C109C5A11E}" type="slidenum">
               <a:rPr lang="zh-CN" altLang="en-US" smtClean="0"/>
               <a:t>‹#›</a:t>
             </a:fld>
@@ -2726,7 +2726,7 @@
     </p:spTree>
     <p:extLst>
       <p:ext uri="{BB962C8B-B14F-4D97-AF65-F5344CB8AC3E}">
-        <p14:creationId xmlns:p14="http://schemas.microsoft.com/office/powerpoint/2010/main" val="3043773367"/>
+        <p14:creationId xmlns:p14="http://schemas.microsoft.com/office/powerpoint/2010/main" val="1091652988"/>
       </p:ext>
     </p:extLst>
   </p:cSld>
@@ -2763,7 +2763,7 @@
           <p:cNvPr id="2" name="标题占位符 1">
             <a:extLst>
               <a:ext uri="{FF2B5EF4-FFF2-40B4-BE49-F238E27FC236}">
-                <a16:creationId xmlns:a16="http://schemas.microsoft.com/office/drawing/2014/main" id="{A501C7F9-9798-B634-BFFF-ED9F932D32D5}"/>
+                <a16:creationId xmlns:a16="http://schemas.microsoft.com/office/drawing/2014/main" id="{D0747EA5-D181-FCEF-07E2-A4CEB6C86C33}"/>
               </a:ext>
             </a:extLst>
           </p:cNvPr>
@@ -2801,7 +2801,7 @@
           <p:cNvPr id="3" name="文本占位符 2">
             <a:extLst>
               <a:ext uri="{FF2B5EF4-FFF2-40B4-BE49-F238E27FC236}">
-                <a16:creationId xmlns:a16="http://schemas.microsoft.com/office/drawing/2014/main" id="{D82876C6-7533-AA5F-7D13-E9EE66EB7929}"/>
+                <a16:creationId xmlns:a16="http://schemas.microsoft.com/office/drawing/2014/main" id="{F33EFD1F-08FF-74CF-3EB5-6386174860F3}"/>
               </a:ext>
             </a:extLst>
           </p:cNvPr>
@@ -2868,7 +2868,7 @@
           <p:cNvPr id="4" name="日期占位符 3">
             <a:extLst>
               <a:ext uri="{FF2B5EF4-FFF2-40B4-BE49-F238E27FC236}">
-                <a16:creationId xmlns:a16="http://schemas.microsoft.com/office/drawing/2014/main" id="{A544E629-564B-6EA2-27C7-A0EDE02BA183}"/>
+                <a16:creationId xmlns:a16="http://schemas.microsoft.com/office/drawing/2014/main" id="{B879CC99-4A2C-B07C-EA56-E94894237038}"/>
               </a:ext>
             </a:extLst>
           </p:cNvPr>
@@ -2902,7 +2902,7 @@
             </a:lvl1pPr>
           </a:lstStyle>
           <a:p>
-            <a:fld id="{0CB9B9BE-03B6-42F2-86A8-1BAEEF91FA69}" type="datetimeFigureOut">
+            <a:fld id="{9AB0526B-B113-47CB-AA72-DF7B7D97C485}" type="datetimeFigureOut">
               <a:rPr lang="zh-CN" altLang="en-US" smtClean="0"/>
               <a:t>2024/3/10</a:t>
             </a:fld>
@@ -2915,7 +2915,7 @@
           <p:cNvPr id="5" name="页脚占位符 4">
             <a:extLst>
               <a:ext uri="{FF2B5EF4-FFF2-40B4-BE49-F238E27FC236}">
-                <a16:creationId xmlns:a16="http://schemas.microsoft.com/office/drawing/2014/main" id="{8615EF80-61F6-F728-28F5-E7F2459DE2AB}"/>
+                <a16:creationId xmlns:a16="http://schemas.microsoft.com/office/drawing/2014/main" id="{D527DA7F-1863-6A07-214A-0093C672DF1B}"/>
               </a:ext>
             </a:extLst>
           </p:cNvPr>
@@ -2958,7 +2958,7 @@
           <p:cNvPr id="6" name="灯片编号占位符 5">
             <a:extLst>
               <a:ext uri="{FF2B5EF4-FFF2-40B4-BE49-F238E27FC236}">
-                <a16:creationId xmlns:a16="http://schemas.microsoft.com/office/drawing/2014/main" id="{32705809-C9C4-0657-5426-97AF4C37481E}"/>
+                <a16:creationId xmlns:a16="http://schemas.microsoft.com/office/drawing/2014/main" id="{840740C6-5C5F-BFDD-A46A-E8CFFAFE537B}"/>
               </a:ext>
             </a:extLst>
           </p:cNvPr>
@@ -2992,7 +2992,7 @@
             </a:lvl1pPr>
           </a:lstStyle>
           <a:p>
-            <a:fld id="{BF544BF8-D55E-4150-9C3A-74A165C35411}" type="slidenum">
+            <a:fld id="{36D904C9-0F66-4257-8C96-19C109C5A11E}" type="slidenum">
               <a:rPr lang="zh-CN" altLang="en-US" smtClean="0"/>
               <a:t>‹#›</a:t>
             </a:fld>
@@ -3003,7 +3003,7 @@
     </p:spTree>
     <p:extLst>
       <p:ext uri="{BB962C8B-B14F-4D97-AF65-F5344CB8AC3E}">
-        <p14:creationId xmlns:p14="http://schemas.microsoft.com/office/powerpoint/2010/main" val="3918105497"/>
+        <p14:creationId xmlns:p14="http://schemas.microsoft.com/office/powerpoint/2010/main" val="2035169510"/>
       </p:ext>
     </p:extLst>
   </p:cSld>
@@ -3323,7 +3323,7 @@
       </p:grpSpPr>
       <p:pic>
         <p:nvPicPr>
-          <p:cNvPr id="1251330" name="Picture 2" descr="1221"/>
+          <p:cNvPr id="1252354" name="Picture 2" descr="1222"/>
           <p:cNvPicPr>
             <a:picLocks noChangeAspect="1" noChangeArrowheads="1"/>
           </p:cNvPicPr>
